--- a/Веб-приложение.pptx
+++ b/Веб-приложение.pptx
@@ -3421,19 +3421,15 @@
             </a:pPr>
             <a:r>
               <a:rPr lang="ru-RU" sz="2000" dirty="0"/>
-              <a:t>Веб-приложение «МАОУ Лицей 44» (</a:t>
-            </a:r>
-            <a:r>
-              <a:rPr lang="ru-RU" sz="2000" dirty="0" err="1"/>
-              <a:t>Кострыкиной</a:t>
-            </a:r>
-            <a:r>
-              <a:rPr lang="ru-RU" sz="2000" dirty="0"/>
-              <a:t> Екатерины) </a:t>
+              <a:t>Веб-приложение «МАОУ Лицей 44» </a:t>
             </a:r>
             <a:r>
               <a:rPr lang="ru-RU" sz="2000" dirty="0" smtClean="0"/>
-              <a:t>предназначено для учителей, родителей и учеников </a:t>
+              <a:t>предназначено </a:t>
+            </a:r>
+            <a:r>
+              <a:rPr lang="ru-RU" sz="2000" dirty="0" smtClean="0"/>
+              <a:t>для учителей, родителей и учеников </a:t>
             </a:r>
             <a:r>
               <a:rPr lang="ru-RU" sz="2000" dirty="0"/>
@@ -3674,13 +3670,8 @@
             </a:pPr>
             <a:r>
               <a:rPr lang="ru-RU" sz="2000" dirty="0" smtClean="0"/>
-              <a:t>Наполнить приложение соответствующей </a:t>
-            </a:r>
-            <a:r>
-              <a:rPr lang="ru-RU" sz="2000" dirty="0" smtClean="0"/>
-              <a:t>информацией.</a:t>
-            </a:r>
-            <a:endParaRPr lang="ru-RU" sz="2000" dirty="0" smtClean="0"/>
+              <a:t>Наполнить приложение соответствующей информацией.</a:t>
+            </a:r>
           </a:p>
         </p:txBody>
       </p:sp>
@@ -4548,17 +4539,10 @@
               <a:t>Основные </a:t>
             </a:r>
             <a:r>
-              <a:rPr lang="ru-RU" sz="2000" dirty="0"/>
-              <a:t>функции, </a:t>
-            </a:r>
-            <a:r>
               <a:rPr lang="ru-RU" sz="2000" dirty="0" smtClean="0"/>
-              <a:t>которые реализованы</a:t>
-            </a:r>
-            <a:r>
-              <a:rPr lang="ru-RU" sz="2000" dirty="0"/>
-              <a:t>:</a:t>
-            </a:r>
+              <a:t>реализованные функции:</a:t>
+            </a:r>
+            <a:endParaRPr lang="ru-RU" sz="2000" dirty="0"/>
           </a:p>
           <a:p>
             <a:pPr lvl="0"/>
